--- a/lectures/08.template-method/template-method.pptx
+++ b/lectures/08.template-method/template-method.pptx
@@ -240,7 +240,7 @@
           <a:p>
             <a:fld id="{2F3DCB6D-0B48-4A3D-B663-06C3F903A9D3}" type="datetimeFigureOut">
               <a:rPr lang="ru-RU" smtClean="0"/>
-              <a:t>12.05.2016</a:t>
+              <a:t>11.03.2019</a:t>
             </a:fld>
             <a:endParaRPr lang="ru-RU"/>
           </a:p>
@@ -1509,7 +1509,7 @@
           <a:p>
             <a:fld id="{2590F9C9-AB92-4E86-B698-DEC9BF4350FF}" type="datetimeFigureOut">
               <a:rPr lang="ru-RU" smtClean="0"/>
-              <a:t>12.05.2016</a:t>
+              <a:t>11.03.2019</a:t>
             </a:fld>
             <a:endParaRPr lang="ru-RU"/>
           </a:p>
@@ -1733,7 +1733,7 @@
           <a:p>
             <a:fld id="{2590F9C9-AB92-4E86-B698-DEC9BF4350FF}" type="datetimeFigureOut">
               <a:rPr lang="ru-RU" smtClean="0"/>
-              <a:t>12.05.2016</a:t>
+              <a:t>11.03.2019</a:t>
             </a:fld>
             <a:endParaRPr lang="ru-RU"/>
           </a:p>
@@ -2005,7 +2005,7 @@
           <a:p>
             <a:fld id="{2590F9C9-AB92-4E86-B698-DEC9BF4350FF}" type="datetimeFigureOut">
               <a:rPr lang="ru-RU" smtClean="0"/>
-              <a:t>12.05.2016</a:t>
+              <a:t>11.03.2019</a:t>
             </a:fld>
             <a:endParaRPr lang="ru-RU"/>
           </a:p>
@@ -2180,7 +2180,7 @@
           <a:p>
             <a:fld id="{2590F9C9-AB92-4E86-B698-DEC9BF4350FF}" type="datetimeFigureOut">
               <a:rPr lang="ru-RU" smtClean="0"/>
-              <a:t>12.05.2016</a:t>
+              <a:t>11.03.2019</a:t>
             </a:fld>
             <a:endParaRPr lang="ru-RU"/>
           </a:p>
@@ -2541,7 +2541,7 @@
           <a:p>
             <a:fld id="{2590F9C9-AB92-4E86-B698-DEC9BF4350FF}" type="datetimeFigureOut">
               <a:rPr lang="ru-RU" smtClean="0"/>
-              <a:t>12.05.2016</a:t>
+              <a:t>11.03.2019</a:t>
             </a:fld>
             <a:endParaRPr lang="ru-RU"/>
           </a:p>
@@ -2826,7 +2826,7 @@
           <a:p>
             <a:fld id="{2590F9C9-AB92-4E86-B698-DEC9BF4350FF}" type="datetimeFigureOut">
               <a:rPr lang="ru-RU" smtClean="0"/>
-              <a:t>12.05.2016</a:t>
+              <a:t>11.03.2019</a:t>
             </a:fld>
             <a:endParaRPr lang="ru-RU"/>
           </a:p>
@@ -3248,7 +3248,7 @@
           <a:p>
             <a:fld id="{2590F9C9-AB92-4E86-B698-DEC9BF4350FF}" type="datetimeFigureOut">
               <a:rPr lang="ru-RU" smtClean="0"/>
-              <a:t>12.05.2016</a:t>
+              <a:t>11.03.2019</a:t>
             </a:fld>
             <a:endParaRPr lang="ru-RU"/>
           </a:p>
@@ -3368,7 +3368,7 @@
           <a:p>
             <a:fld id="{2590F9C9-AB92-4E86-B698-DEC9BF4350FF}" type="datetimeFigureOut">
               <a:rPr lang="ru-RU" smtClean="0"/>
-              <a:t>12.05.2016</a:t>
+              <a:t>11.03.2019</a:t>
             </a:fld>
             <a:endParaRPr lang="ru-RU"/>
           </a:p>
@@ -3465,7 +3465,7 @@
           <a:p>
             <a:fld id="{2590F9C9-AB92-4E86-B698-DEC9BF4350FF}" type="datetimeFigureOut">
               <a:rPr lang="ru-RU" smtClean="0"/>
-              <a:t>12.05.2016</a:t>
+              <a:t>11.03.2019</a:t>
             </a:fld>
             <a:endParaRPr lang="ru-RU"/>
           </a:p>
@@ -3750,7 +3750,7 @@
           <a:p>
             <a:fld id="{2590F9C9-AB92-4E86-B698-DEC9BF4350FF}" type="datetimeFigureOut">
               <a:rPr lang="ru-RU" smtClean="0"/>
-              <a:t>12.05.2016</a:t>
+              <a:t>11.03.2019</a:t>
             </a:fld>
             <a:endParaRPr lang="ru-RU"/>
           </a:p>
@@ -4112,7 +4112,7 @@
           <a:p>
             <a:fld id="{2590F9C9-AB92-4E86-B698-DEC9BF4350FF}" type="datetimeFigureOut">
               <a:rPr lang="ru-RU" smtClean="0"/>
-              <a:t>12.05.2016</a:t>
+              <a:t>11.03.2019</a:t>
             </a:fld>
             <a:endParaRPr lang="ru-RU"/>
           </a:p>
@@ -4537,7 +4537,7 @@
           <a:p>
             <a:fld id="{2590F9C9-AB92-4E86-B698-DEC9BF4350FF}" type="datetimeFigureOut">
               <a:rPr lang="ru-RU" smtClean="0"/>
-              <a:t>12.05.2016</a:t>
+              <a:t>11.03.2019</a:t>
             </a:fld>
             <a:endParaRPr lang="ru-RU"/>
           </a:p>
@@ -8761,7 +8761,27 @@
           <a:p>
             <a:r>
               <a:rPr lang="ru-RU" dirty="0"/>
-              <a:t>Обобщили рецепт и вынести в базовый класс </a:t>
+              <a:t>Обобщили рецепт </a:t>
+            </a:r>
+            <a:r>
+              <a:rPr lang="ru-RU"/>
+              <a:t>и </a:t>
+            </a:r>
+            <a:r>
+              <a:rPr lang="ru-RU" smtClean="0"/>
+              <a:t>вынес</a:t>
+            </a:r>
+            <a:r>
+              <a:rPr lang="ru-RU"/>
+              <a:t>л</a:t>
+            </a:r>
+            <a:r>
+              <a:rPr lang="ru-RU" smtClean="0"/>
+              <a:t>и </a:t>
+            </a:r>
+            <a:r>
+              <a:rPr lang="ru-RU" dirty="0"/>
+              <a:t>в базовый класс </a:t>
             </a:r>
             <a:r>
               <a:rPr lang="en-US" dirty="0" err="1"/>
